--- a/materi 2021/Performance and Accuracy Analysis in Object Detection.pptx
+++ b/materi 2021/Performance and Accuracy Analysis in Object Detection.pptx
@@ -5,7 +5,7 @@
     <p:sldMasterId id="2147483678" r:id="rId1"/>
   </p:sldMasterIdLst>
   <p:notesMasterIdLst>
-    <p:notesMasterId r:id="rId18"/>
+    <p:notesMasterId r:id="rId19"/>
   </p:notesMasterIdLst>
   <p:sldIdLst>
     <p:sldId id="256" r:id="rId2"/>
@@ -23,7 +23,8 @@
     <p:sldId id="268" r:id="rId14"/>
     <p:sldId id="269" r:id="rId15"/>
     <p:sldId id="270" r:id="rId16"/>
-    <p:sldId id="271" r:id="rId17"/>
+    <p:sldId id="272" r:id="rId17"/>
+    <p:sldId id="271" r:id="rId18"/>
   </p:sldIdLst>
   <p:sldSz cx="12192000" cy="6858000"/>
   <p:notesSz cx="6858000" cy="9144000"/>
@@ -212,7 +213,7 @@
           <a:p>
             <a:fld id="{EC0108C7-F395-434C-950F-15BAEDBF2BDB}" type="datetimeFigureOut">
               <a:rPr lang="en-ID" smtClean="0"/>
-              <a:t>12/11/2021</a:t>
+              <a:t>17/11/21</a:t>
             </a:fld>
             <a:endParaRPr lang="en-ID"/>
           </a:p>
@@ -537,7 +538,7 @@
           <a:noFill/>
           <a:extLst>
             <a:ext uri="{909E8E84-426E-40dd-AFC4-6F175D3DCCD1}">
-              <a14:hiddenFill xmlns="" xmlns:a14="http://schemas.microsoft.com/office/drawing/2010/main">
+              <a14:hiddenFill xmlns:a14="http://schemas.microsoft.com/office/drawing/2010/main" xmlns="">
                 <a:solidFill>
                   <a:srgbClr val="FFFFFF"/>
                 </a:solidFill>
@@ -596,7 +597,7 @@
             </a:ln>
             <a:extLst>
               <a:ext uri="{91240B29-F687-4f45-9708-019B960494DF}">
-                <a14:hiddenLine xmlns="" xmlns:a14="http://schemas.microsoft.com/office/drawing/2010/main" w="9525">
+                <a14:hiddenLine xmlns:a14="http://schemas.microsoft.com/office/drawing/2010/main" xmlns="" w="9525">
                   <a:solidFill>
                     <a:srgbClr val="000000"/>
                   </a:solidFill>
@@ -686,7 +687,7 @@
             </a:ln>
             <a:extLst>
               <a:ext uri="{91240B29-F687-4f45-9708-019B960494DF}">
-                <a14:hiddenLine xmlns="" xmlns:a14="http://schemas.microsoft.com/office/drawing/2010/main" w="9525">
+                <a14:hiddenLine xmlns:a14="http://schemas.microsoft.com/office/drawing/2010/main" xmlns="" w="9525">
                   <a:solidFill>
                     <a:srgbClr val="000000"/>
                   </a:solidFill>
@@ -776,7 +777,7 @@
             </a:ln>
             <a:extLst>
               <a:ext uri="{91240B29-F687-4f45-9708-019B960494DF}">
-                <a14:hiddenLine xmlns="" xmlns:a14="http://schemas.microsoft.com/office/drawing/2010/main" w="9525">
+                <a14:hiddenLine xmlns:a14="http://schemas.microsoft.com/office/drawing/2010/main" xmlns="" w="9525">
                   <a:solidFill>
                     <a:srgbClr val="000000"/>
                   </a:solidFill>
@@ -810,7 +811,7 @@
             </a:ln>
             <a:extLst>
               <a:ext uri="{91240B29-F687-4f45-9708-019B960494DF}">
-                <a14:hiddenLine xmlns="" xmlns:a14="http://schemas.microsoft.com/office/drawing/2010/main" w="9525">
+                <a14:hiddenLine xmlns:a14="http://schemas.microsoft.com/office/drawing/2010/main" xmlns="" w="9525">
                   <a:solidFill>
                     <a:srgbClr val="000000"/>
                   </a:solidFill>
@@ -900,7 +901,7 @@
             </a:ln>
             <a:extLst>
               <a:ext uri="{91240B29-F687-4f45-9708-019B960494DF}">
-                <a14:hiddenLine xmlns="" xmlns:a14="http://schemas.microsoft.com/office/drawing/2010/main" w="9525">
+                <a14:hiddenLine xmlns:a14="http://schemas.microsoft.com/office/drawing/2010/main" xmlns="" w="9525">
                   <a:solidFill>
                     <a:srgbClr val="000000"/>
                   </a:solidFill>
@@ -962,7 +963,7 @@
             </a:ln>
             <a:extLst>
               <a:ext uri="{91240B29-F687-4f45-9708-019B960494DF}">
-                <a14:hiddenLine xmlns="" xmlns:a14="http://schemas.microsoft.com/office/drawing/2010/main" w="9525">
+                <a14:hiddenLine xmlns:a14="http://schemas.microsoft.com/office/drawing/2010/main" xmlns="" w="9525">
                   <a:solidFill>
                     <a:srgbClr val="000000"/>
                   </a:solidFill>
@@ -1024,7 +1025,7 @@
             </a:ln>
             <a:extLst>
               <a:ext uri="{91240B29-F687-4f45-9708-019B960494DF}">
-                <a14:hiddenLine xmlns="" xmlns:a14="http://schemas.microsoft.com/office/drawing/2010/main" w="9525">
+                <a14:hiddenLine xmlns:a14="http://schemas.microsoft.com/office/drawing/2010/main" xmlns="" w="9525">
                   <a:solidFill>
                     <a:srgbClr val="000000"/>
                   </a:solidFill>
@@ -1114,7 +1115,7 @@
             </a:ln>
             <a:extLst>
               <a:ext uri="{91240B29-F687-4f45-9708-019B960494DF}">
-                <a14:hiddenLine xmlns="" xmlns:a14="http://schemas.microsoft.com/office/drawing/2010/main" w="9525">
+                <a14:hiddenLine xmlns:a14="http://schemas.microsoft.com/office/drawing/2010/main" xmlns="" w="9525">
                   <a:solidFill>
                     <a:srgbClr val="000000"/>
                   </a:solidFill>
@@ -1176,7 +1177,7 @@
             </a:ln>
             <a:extLst>
               <a:ext uri="{91240B29-F687-4f45-9708-019B960494DF}">
-                <a14:hiddenLine xmlns="" xmlns:a14="http://schemas.microsoft.com/office/drawing/2010/main" w="9525">
+                <a14:hiddenLine xmlns:a14="http://schemas.microsoft.com/office/drawing/2010/main" xmlns="" w="9525">
                   <a:solidFill>
                     <a:srgbClr val="000000"/>
                   </a:solidFill>
@@ -1238,7 +1239,7 @@
             </a:ln>
             <a:extLst>
               <a:ext uri="{91240B29-F687-4f45-9708-019B960494DF}">
-                <a14:hiddenLine xmlns="" xmlns:a14="http://schemas.microsoft.com/office/drawing/2010/main" w="9525">
+                <a14:hiddenLine xmlns:a14="http://schemas.microsoft.com/office/drawing/2010/main" xmlns="" w="9525">
                   <a:solidFill>
                     <a:srgbClr val="000000"/>
                   </a:solidFill>
@@ -1328,7 +1329,7 @@
             </a:ln>
             <a:extLst>
               <a:ext uri="{91240B29-F687-4f45-9708-019B960494DF}">
-                <a14:hiddenLine xmlns="" xmlns:a14="http://schemas.microsoft.com/office/drawing/2010/main" w="9525">
+                <a14:hiddenLine xmlns:a14="http://schemas.microsoft.com/office/drawing/2010/main" xmlns="" w="9525">
                   <a:solidFill>
                     <a:srgbClr val="000000"/>
                   </a:solidFill>
@@ -1418,7 +1419,7 @@
             </a:ln>
             <a:extLst>
               <a:ext uri="{91240B29-F687-4f45-9708-019B960494DF}">
-                <a14:hiddenLine xmlns="" xmlns:a14="http://schemas.microsoft.com/office/drawing/2010/main" w="9525">
+                <a14:hiddenLine xmlns:a14="http://schemas.microsoft.com/office/drawing/2010/main" xmlns="" w="9525">
                   <a:solidFill>
                     <a:srgbClr val="000000"/>
                   </a:solidFill>
@@ -1480,7 +1481,7 @@
             </a:ln>
             <a:extLst>
               <a:ext uri="{91240B29-F687-4f45-9708-019B960494DF}">
-                <a14:hiddenLine xmlns="" xmlns:a14="http://schemas.microsoft.com/office/drawing/2010/main" w="9525">
+                <a14:hiddenLine xmlns:a14="http://schemas.microsoft.com/office/drawing/2010/main" xmlns="" w="9525">
                   <a:solidFill>
                     <a:srgbClr val="000000"/>
                   </a:solidFill>
@@ -1590,7 +1591,7 @@
             </a:ln>
             <a:extLst>
               <a:ext uri="{91240B29-F687-4f45-9708-019B960494DF}">
-                <a14:hiddenLine xmlns="" xmlns:a14="http://schemas.microsoft.com/office/drawing/2010/main" w="9525">
+                <a14:hiddenLine xmlns:a14="http://schemas.microsoft.com/office/drawing/2010/main" xmlns="" w="9525">
                   <a:solidFill>
                     <a:srgbClr val="000000"/>
                   </a:solidFill>
@@ -1652,7 +1653,7 @@
             </a:ln>
             <a:extLst>
               <a:ext uri="{91240B29-F687-4f45-9708-019B960494DF}">
-                <a14:hiddenLine xmlns="" xmlns:a14="http://schemas.microsoft.com/office/drawing/2010/main" w="9525">
+                <a14:hiddenLine xmlns:a14="http://schemas.microsoft.com/office/drawing/2010/main" xmlns="" w="9525">
                   <a:solidFill>
                     <a:srgbClr val="000000"/>
                   </a:solidFill>
@@ -1742,7 +1743,7 @@
             </a:ln>
             <a:extLst>
               <a:ext uri="{91240B29-F687-4f45-9708-019B960494DF}">
-                <a14:hiddenLine xmlns="" xmlns:a14="http://schemas.microsoft.com/office/drawing/2010/main" w="9525">
+                <a14:hiddenLine xmlns:a14="http://schemas.microsoft.com/office/drawing/2010/main" xmlns="" w="9525">
                   <a:solidFill>
                     <a:srgbClr val="000000"/>
                   </a:solidFill>
@@ -1832,7 +1833,7 @@
             </a:ln>
             <a:extLst>
               <a:ext uri="{91240B29-F687-4f45-9708-019B960494DF}">
-                <a14:hiddenLine xmlns="" xmlns:a14="http://schemas.microsoft.com/office/drawing/2010/main" w="9525">
+                <a14:hiddenLine xmlns:a14="http://schemas.microsoft.com/office/drawing/2010/main" xmlns="" w="9525">
                   <a:solidFill>
                     <a:srgbClr val="000000"/>
                   </a:solidFill>
@@ -1894,7 +1895,7 @@
             </a:ln>
             <a:extLst>
               <a:ext uri="{91240B29-F687-4f45-9708-019B960494DF}">
-                <a14:hiddenLine xmlns="" xmlns:a14="http://schemas.microsoft.com/office/drawing/2010/main" w="9525">
+                <a14:hiddenLine xmlns:a14="http://schemas.microsoft.com/office/drawing/2010/main" xmlns="" w="9525">
                   <a:solidFill>
                     <a:srgbClr val="000000"/>
                   </a:solidFill>
@@ -1984,7 +1985,7 @@
             </a:ln>
             <a:extLst>
               <a:ext uri="{91240B29-F687-4f45-9708-019B960494DF}">
-                <a14:hiddenLine xmlns="" xmlns:a14="http://schemas.microsoft.com/office/drawing/2010/main" w="9525">
+                <a14:hiddenLine xmlns:a14="http://schemas.microsoft.com/office/drawing/2010/main" xmlns="" w="9525">
                   <a:solidFill>
                     <a:srgbClr val="000000"/>
                   </a:solidFill>
@@ -2074,7 +2075,7 @@
             </a:ln>
             <a:extLst>
               <a:ext uri="{91240B29-F687-4f45-9708-019B960494DF}">
-                <a14:hiddenLine xmlns="" xmlns:a14="http://schemas.microsoft.com/office/drawing/2010/main" w="9525">
+                <a14:hiddenLine xmlns:a14="http://schemas.microsoft.com/office/drawing/2010/main" xmlns="" w="9525">
                   <a:solidFill>
                     <a:srgbClr val="000000"/>
                   </a:solidFill>
@@ -2130,7 +2131,7 @@
             </a:ln>
             <a:extLst>
               <a:ext uri="{91240B29-F687-4f45-9708-019B960494DF}">
-                <a14:hiddenLine xmlns="" xmlns:a14="http://schemas.microsoft.com/office/drawing/2010/main" w="9525">
+                <a14:hiddenLine xmlns:a14="http://schemas.microsoft.com/office/drawing/2010/main" xmlns="" w="9525">
                   <a:solidFill>
                     <a:srgbClr val="000000"/>
                   </a:solidFill>
@@ -2220,7 +2221,7 @@
             </a:ln>
             <a:extLst>
               <a:ext uri="{91240B29-F687-4f45-9708-019B960494DF}">
-                <a14:hiddenLine xmlns="" xmlns:a14="http://schemas.microsoft.com/office/drawing/2010/main" w="9525">
+                <a14:hiddenLine xmlns:a14="http://schemas.microsoft.com/office/drawing/2010/main" xmlns="" w="9525">
                   <a:solidFill>
                     <a:srgbClr val="000000"/>
                   </a:solidFill>
@@ -2276,7 +2277,7 @@
             </a:ln>
             <a:extLst>
               <a:ext uri="{91240B29-F687-4f45-9708-019B960494DF}">
-                <a14:hiddenLine xmlns="" xmlns:a14="http://schemas.microsoft.com/office/drawing/2010/main" w="9525">
+                <a14:hiddenLine xmlns:a14="http://schemas.microsoft.com/office/drawing/2010/main" xmlns="" w="9525">
                   <a:solidFill>
                     <a:srgbClr val="000000"/>
                   </a:solidFill>
@@ -2366,7 +2367,7 @@
             </a:ln>
             <a:extLst>
               <a:ext uri="{91240B29-F687-4f45-9708-019B960494DF}">
-                <a14:hiddenLine xmlns="" xmlns:a14="http://schemas.microsoft.com/office/drawing/2010/main" w="9525">
+                <a14:hiddenLine xmlns:a14="http://schemas.microsoft.com/office/drawing/2010/main" xmlns="" w="9525">
                   <a:solidFill>
                     <a:srgbClr val="000000"/>
                   </a:solidFill>
@@ -2434,7 +2435,7 @@
             </a:ln>
             <a:extLst>
               <a:ext uri="{91240B29-F687-4f45-9708-019B960494DF}">
-                <a14:hiddenLine xmlns="" xmlns:a14="http://schemas.microsoft.com/office/drawing/2010/main" w="9525">
+                <a14:hiddenLine xmlns:a14="http://schemas.microsoft.com/office/drawing/2010/main" xmlns="" w="9525">
                   <a:solidFill>
                     <a:srgbClr val="000000"/>
                   </a:solidFill>
@@ -2524,7 +2525,7 @@
             </a:ln>
             <a:extLst>
               <a:ext uri="{91240B29-F687-4f45-9708-019B960494DF}">
-                <a14:hiddenLine xmlns="" xmlns:a14="http://schemas.microsoft.com/office/drawing/2010/main" w="9525">
+                <a14:hiddenLine xmlns:a14="http://schemas.microsoft.com/office/drawing/2010/main" xmlns="" w="9525">
                   <a:solidFill>
                     <a:srgbClr val="000000"/>
                   </a:solidFill>
@@ -2592,7 +2593,7 @@
             </a:ln>
             <a:extLst>
               <a:ext uri="{91240B29-F687-4f45-9708-019B960494DF}">
-                <a14:hiddenLine xmlns="" xmlns:a14="http://schemas.microsoft.com/office/drawing/2010/main" w="9525">
+                <a14:hiddenLine xmlns:a14="http://schemas.microsoft.com/office/drawing/2010/main" xmlns="" w="9525">
                   <a:solidFill>
                     <a:srgbClr val="000000"/>
                   </a:solidFill>
@@ -2682,7 +2683,7 @@
             </a:ln>
             <a:extLst>
               <a:ext uri="{91240B29-F687-4f45-9708-019B960494DF}">
-                <a14:hiddenLine xmlns="" xmlns:a14="http://schemas.microsoft.com/office/drawing/2010/main" w="9525">
+                <a14:hiddenLine xmlns:a14="http://schemas.microsoft.com/office/drawing/2010/main" xmlns="" w="9525">
                   <a:solidFill>
                     <a:srgbClr val="000000"/>
                   </a:solidFill>
@@ -2716,7 +2717,7 @@
             </a:ln>
             <a:extLst>
               <a:ext uri="{91240B29-F687-4f45-9708-019B960494DF}">
-                <a14:hiddenLine xmlns="" xmlns:a14="http://schemas.microsoft.com/office/drawing/2010/main" w="9525">
+                <a14:hiddenLine xmlns:a14="http://schemas.microsoft.com/office/drawing/2010/main" xmlns="" w="9525">
                   <a:solidFill>
                     <a:srgbClr val="000000"/>
                   </a:solidFill>
@@ -2806,7 +2807,7 @@
             </a:ln>
             <a:extLst>
               <a:ext uri="{91240B29-F687-4f45-9708-019B960494DF}">
-                <a14:hiddenLine xmlns="" xmlns:a14="http://schemas.microsoft.com/office/drawing/2010/main" w="9525">
+                <a14:hiddenLine xmlns:a14="http://schemas.microsoft.com/office/drawing/2010/main" xmlns="" w="9525">
                   <a:solidFill>
                     <a:srgbClr val="000000"/>
                   </a:solidFill>
@@ -2868,7 +2869,7 @@
             </a:ln>
             <a:extLst>
               <a:ext uri="{91240B29-F687-4f45-9708-019B960494DF}">
-                <a14:hiddenLine xmlns="" xmlns:a14="http://schemas.microsoft.com/office/drawing/2010/main" w="9525">
+                <a14:hiddenLine xmlns:a14="http://schemas.microsoft.com/office/drawing/2010/main" xmlns="" w="9525">
                   <a:solidFill>
                     <a:srgbClr val="000000"/>
                   </a:solidFill>
@@ -2930,7 +2931,7 @@
             </a:ln>
             <a:extLst>
               <a:ext uri="{91240B29-F687-4f45-9708-019B960494DF}">
-                <a14:hiddenLine xmlns="" xmlns:a14="http://schemas.microsoft.com/office/drawing/2010/main" w="9525">
+                <a14:hiddenLine xmlns:a14="http://schemas.microsoft.com/office/drawing/2010/main" xmlns="" w="9525">
                   <a:solidFill>
                     <a:srgbClr val="000000"/>
                   </a:solidFill>
@@ -3020,7 +3021,7 @@
             </a:ln>
             <a:extLst>
               <a:ext uri="{91240B29-F687-4f45-9708-019B960494DF}">
-                <a14:hiddenLine xmlns="" xmlns:a14="http://schemas.microsoft.com/office/drawing/2010/main" w="9525">
+                <a14:hiddenLine xmlns:a14="http://schemas.microsoft.com/office/drawing/2010/main" xmlns="" w="9525">
                   <a:solidFill>
                     <a:srgbClr val="000000"/>
                   </a:solidFill>
@@ -3088,7 +3089,7 @@
             </a:ln>
             <a:extLst>
               <a:ext uri="{91240B29-F687-4f45-9708-019B960494DF}">
-                <a14:hiddenLine xmlns="" xmlns:a14="http://schemas.microsoft.com/office/drawing/2010/main" w="9525">
+                <a14:hiddenLine xmlns:a14="http://schemas.microsoft.com/office/drawing/2010/main" xmlns="" w="9525">
                   <a:solidFill>
                     <a:srgbClr val="000000"/>
                   </a:solidFill>
@@ -3150,7 +3151,7 @@
             </a:ln>
             <a:extLst>
               <a:ext uri="{91240B29-F687-4f45-9708-019B960494DF}">
-                <a14:hiddenLine xmlns="" xmlns:a14="http://schemas.microsoft.com/office/drawing/2010/main" w="9525">
+                <a14:hiddenLine xmlns:a14="http://schemas.microsoft.com/office/drawing/2010/main" xmlns="" w="9525">
                   <a:solidFill>
                     <a:srgbClr val="000000"/>
                   </a:solidFill>
@@ -3240,7 +3241,7 @@
             </a:ln>
             <a:extLst>
               <a:ext uri="{91240B29-F687-4f45-9708-019B960494DF}">
-                <a14:hiddenLine xmlns="" xmlns:a14="http://schemas.microsoft.com/office/drawing/2010/main" w="9525">
+                <a14:hiddenLine xmlns:a14="http://schemas.microsoft.com/office/drawing/2010/main" xmlns="" w="9525">
                   <a:solidFill>
                     <a:srgbClr val="000000"/>
                   </a:solidFill>
@@ -3302,7 +3303,7 @@
             </a:ln>
             <a:extLst>
               <a:ext uri="{91240B29-F687-4f45-9708-019B960494DF}">
-                <a14:hiddenLine xmlns="" xmlns:a14="http://schemas.microsoft.com/office/drawing/2010/main" w="9525">
+                <a14:hiddenLine xmlns:a14="http://schemas.microsoft.com/office/drawing/2010/main" xmlns="" w="9525">
                   <a:solidFill>
                     <a:srgbClr val="000000"/>
                   </a:solidFill>
@@ -3392,7 +3393,7 @@
             </a:ln>
             <a:extLst>
               <a:ext uri="{91240B29-F687-4f45-9708-019B960494DF}">
-                <a14:hiddenLine xmlns="" xmlns:a14="http://schemas.microsoft.com/office/drawing/2010/main" w="9525">
+                <a14:hiddenLine xmlns:a14="http://schemas.microsoft.com/office/drawing/2010/main" xmlns="" w="9525">
                   <a:solidFill>
                     <a:srgbClr val="000000"/>
                   </a:solidFill>
@@ -3454,7 +3455,7 @@
             </a:ln>
             <a:extLst>
               <a:ext uri="{91240B29-F687-4f45-9708-019B960494DF}">
-                <a14:hiddenLine xmlns="" xmlns:a14="http://schemas.microsoft.com/office/drawing/2010/main" w="9525">
+                <a14:hiddenLine xmlns:a14="http://schemas.microsoft.com/office/drawing/2010/main" xmlns="" w="9525">
                   <a:solidFill>
                     <a:srgbClr val="000000"/>
                   </a:solidFill>
@@ -3544,7 +3545,7 @@
             </a:ln>
             <a:extLst>
               <a:ext uri="{91240B29-F687-4f45-9708-019B960494DF}">
-                <a14:hiddenLine xmlns="" xmlns:a14="http://schemas.microsoft.com/office/drawing/2010/main" w="9525">
+                <a14:hiddenLine xmlns:a14="http://schemas.microsoft.com/office/drawing/2010/main" xmlns="" w="9525">
                   <a:solidFill>
                     <a:srgbClr val="000000"/>
                   </a:solidFill>
@@ -3578,7 +3579,7 @@
             </a:ln>
             <a:extLst>
               <a:ext uri="{91240B29-F687-4f45-9708-019B960494DF}">
-                <a14:hiddenLine xmlns="" xmlns:a14="http://schemas.microsoft.com/office/drawing/2010/main" w="9525">
+                <a14:hiddenLine xmlns:a14="http://schemas.microsoft.com/office/drawing/2010/main" xmlns="" w="9525">
                   <a:solidFill>
                     <a:srgbClr val="000000"/>
                   </a:solidFill>
@@ -3643,7 +3644,7 @@
             </a:ln>
             <a:extLst>
               <a:ext uri="{91240B29-F687-4f45-9708-019B960494DF}">
-                <a14:hiddenLine xmlns="" xmlns:a14="http://schemas.microsoft.com/office/drawing/2010/main" w="9525">
+                <a14:hiddenLine xmlns:a14="http://schemas.microsoft.com/office/drawing/2010/main" xmlns="" w="9525">
                   <a:solidFill>
                     <a:srgbClr val="000000"/>
                   </a:solidFill>
@@ -3733,7 +3734,7 @@
             </a:ln>
             <a:extLst>
               <a:ext uri="{91240B29-F687-4f45-9708-019B960494DF}">
-                <a14:hiddenLine xmlns="" xmlns:a14="http://schemas.microsoft.com/office/drawing/2010/main" w="9525">
+                <a14:hiddenLine xmlns:a14="http://schemas.microsoft.com/office/drawing/2010/main" xmlns="" w="9525">
                   <a:solidFill>
                     <a:srgbClr val="000000"/>
                   </a:solidFill>
@@ -3795,7 +3796,7 @@
             </a:ln>
             <a:extLst>
               <a:ext uri="{91240B29-F687-4f45-9708-019B960494DF}">
-                <a14:hiddenLine xmlns="" xmlns:a14="http://schemas.microsoft.com/office/drawing/2010/main" w="9525">
+                <a14:hiddenLine xmlns:a14="http://schemas.microsoft.com/office/drawing/2010/main" xmlns="" w="9525">
                   <a:solidFill>
                     <a:srgbClr val="000000"/>
                   </a:solidFill>
@@ -3885,7 +3886,7 @@
             </a:ln>
             <a:extLst>
               <a:ext uri="{91240B29-F687-4f45-9708-019B960494DF}">
-                <a14:hiddenLine xmlns="" xmlns:a14="http://schemas.microsoft.com/office/drawing/2010/main" w="9525">
+                <a14:hiddenLine xmlns:a14="http://schemas.microsoft.com/office/drawing/2010/main" xmlns="" w="9525">
                   <a:solidFill>
                     <a:srgbClr val="000000"/>
                   </a:solidFill>
@@ -3975,7 +3976,7 @@
             </a:ln>
             <a:extLst>
               <a:ext uri="{91240B29-F687-4f45-9708-019B960494DF}">
-                <a14:hiddenLine xmlns="" xmlns:a14="http://schemas.microsoft.com/office/drawing/2010/main" w="9525">
+                <a14:hiddenLine xmlns:a14="http://schemas.microsoft.com/office/drawing/2010/main" xmlns="" w="9525">
                   <a:solidFill>
                     <a:srgbClr val="000000"/>
                   </a:solidFill>
@@ -4040,7 +4041,7 @@
             </a:ln>
             <a:extLst>
               <a:ext uri="{91240B29-F687-4f45-9708-019B960494DF}">
-                <a14:hiddenLine xmlns="" xmlns:a14="http://schemas.microsoft.com/office/drawing/2010/main" w="9525">
+                <a14:hiddenLine xmlns:a14="http://schemas.microsoft.com/office/drawing/2010/main" xmlns="" w="9525">
                   <a:solidFill>
                     <a:srgbClr val="000000"/>
                   </a:solidFill>
@@ -4102,7 +4103,7 @@
             </a:ln>
             <a:extLst>
               <a:ext uri="{91240B29-F687-4f45-9708-019B960494DF}">
-                <a14:hiddenLine xmlns="" xmlns:a14="http://schemas.microsoft.com/office/drawing/2010/main" w="9525">
+                <a14:hiddenLine xmlns:a14="http://schemas.microsoft.com/office/drawing/2010/main" xmlns="" w="9525">
                   <a:solidFill>
                     <a:srgbClr val="000000"/>
                   </a:solidFill>
@@ -4192,7 +4193,7 @@
             </a:ln>
             <a:extLst>
               <a:ext uri="{91240B29-F687-4f45-9708-019B960494DF}">
-                <a14:hiddenLine xmlns="" xmlns:a14="http://schemas.microsoft.com/office/drawing/2010/main" w="9525">
+                <a14:hiddenLine xmlns:a14="http://schemas.microsoft.com/office/drawing/2010/main" xmlns="" w="9525">
                   <a:solidFill>
                     <a:srgbClr val="000000"/>
                   </a:solidFill>
@@ -4282,7 +4283,7 @@
             </a:ln>
             <a:extLst>
               <a:ext uri="{91240B29-F687-4f45-9708-019B960494DF}">
-                <a14:hiddenLine xmlns="" xmlns:a14="http://schemas.microsoft.com/office/drawing/2010/main" w="9525">
+                <a14:hiddenLine xmlns:a14="http://schemas.microsoft.com/office/drawing/2010/main" xmlns="" w="9525">
                   <a:solidFill>
                     <a:srgbClr val="000000"/>
                   </a:solidFill>
@@ -4344,7 +4345,7 @@
             </a:ln>
             <a:extLst>
               <a:ext uri="{91240B29-F687-4f45-9708-019B960494DF}">
-                <a14:hiddenLine xmlns="" xmlns:a14="http://schemas.microsoft.com/office/drawing/2010/main" w="9525">
+                <a14:hiddenLine xmlns:a14="http://schemas.microsoft.com/office/drawing/2010/main" xmlns="" w="9525">
                   <a:solidFill>
                     <a:srgbClr val="000000"/>
                   </a:solidFill>
@@ -4464,7 +4465,7 @@
             </a:ln>
             <a:extLst>
               <a:ext uri="{91240B29-F687-4f45-9708-019B960494DF}">
-                <a14:hiddenLine xmlns="" xmlns:a14="http://schemas.microsoft.com/office/drawing/2010/main" w="9525">
+                <a14:hiddenLine xmlns:a14="http://schemas.microsoft.com/office/drawing/2010/main" xmlns="" w="9525">
                   <a:solidFill>
                     <a:srgbClr val="000000"/>
                   </a:solidFill>
@@ -4532,7 +4533,7 @@
             </a:ln>
             <a:extLst>
               <a:ext uri="{91240B29-F687-4f45-9708-019B960494DF}">
-                <a14:hiddenLine xmlns="" xmlns:a14="http://schemas.microsoft.com/office/drawing/2010/main" w="9525">
+                <a14:hiddenLine xmlns:a14="http://schemas.microsoft.com/office/drawing/2010/main" xmlns="" w="9525">
                   <a:solidFill>
                     <a:srgbClr val="000000"/>
                   </a:solidFill>
@@ -4622,7 +4623,7 @@
             </a:ln>
             <a:extLst>
               <a:ext uri="{91240B29-F687-4f45-9708-019B960494DF}">
-                <a14:hiddenLine xmlns="" xmlns:a14="http://schemas.microsoft.com/office/drawing/2010/main" w="9525">
+                <a14:hiddenLine xmlns:a14="http://schemas.microsoft.com/office/drawing/2010/main" xmlns="" w="9525">
                   <a:solidFill>
                     <a:srgbClr val="000000"/>
                   </a:solidFill>
@@ -4762,7 +4763,7 @@
           <a:p>
             <a:fld id="{11925D9F-A262-493D-9484-4D687BC38B71}" type="datetime1">
               <a:rPr lang="en-ID" smtClean="0"/>
-              <a:t>12/11/2021</a:t>
+              <a:t>17/11/21</a:t>
             </a:fld>
             <a:endParaRPr lang="en-ID"/>
           </a:p>
@@ -5029,7 +5030,7 @@
           <a:p>
             <a:fld id="{CBA57A02-77EA-4915-85F4-C79F2804346E}" type="datetime1">
               <a:rPr lang="en-ID" smtClean="0"/>
-              <a:t>12/11/2021</a:t>
+              <a:t>17/11/21</a:t>
             </a:fld>
             <a:endParaRPr lang="en-ID"/>
           </a:p>
@@ -5225,7 +5226,7 @@
           <a:p>
             <a:fld id="{9BE28308-6360-4F41-BC7C-88131A726317}" type="datetime1">
               <a:rPr lang="en-ID" smtClean="0"/>
-              <a:t>12/11/2021</a:t>
+              <a:t>17/11/21</a:t>
             </a:fld>
             <a:endParaRPr lang="en-ID"/>
           </a:p>
@@ -5488,7 +5489,7 @@
           <a:p>
             <a:fld id="{8ECDDF1A-DE70-42A0-8691-76E123DEE188}" type="datetime1">
               <a:rPr lang="en-ID" smtClean="0"/>
-              <a:t>12/11/2021</a:t>
+              <a:t>17/11/21</a:t>
             </a:fld>
             <a:endParaRPr lang="en-ID"/>
           </a:p>
@@ -5922,7 +5923,7 @@
           <a:p>
             <a:fld id="{678A3652-19F6-4A18-A53E-C16B3EA626A7}" type="datetime1">
               <a:rPr lang="en-ID" smtClean="0"/>
-              <a:t>12/11/2021</a:t>
+              <a:t>17/11/21</a:t>
             </a:fld>
             <a:endParaRPr lang="en-ID"/>
           </a:p>
@@ -6468,7 +6469,7 @@
           <a:p>
             <a:fld id="{920428ED-7467-4829-81E3-7873DD494776}" type="datetime1">
               <a:rPr lang="en-ID" smtClean="0"/>
-              <a:t>12/11/2021</a:t>
+              <a:t>17/11/21</a:t>
             </a:fld>
             <a:endParaRPr lang="en-ID"/>
           </a:p>
@@ -7188,7 +7189,7 @@
           <a:p>
             <a:fld id="{73458771-7730-4735-A020-778E3FBE0EA6}" type="datetime1">
               <a:rPr lang="en-ID" smtClean="0"/>
-              <a:t>12/11/2021</a:t>
+              <a:t>17/11/21</a:t>
             </a:fld>
             <a:endParaRPr lang="en-ID"/>
           </a:p>
@@ -7358,7 +7359,7 @@
           <a:p>
             <a:fld id="{79FA858C-2F34-4A91-A87C-CB3965921177}" type="datetime1">
               <a:rPr lang="en-ID" smtClean="0"/>
-              <a:t>12/11/2021</a:t>
+              <a:t>17/11/21</a:t>
             </a:fld>
             <a:endParaRPr lang="en-ID"/>
           </a:p>
@@ -7538,7 +7539,7 @@
           <a:p>
             <a:fld id="{9589C406-A35A-4DFA-9374-77A8F57BD11D}" type="datetime1">
               <a:rPr lang="en-ID" smtClean="0"/>
-              <a:t>12/11/2021</a:t>
+              <a:t>17/11/21</a:t>
             </a:fld>
             <a:endParaRPr lang="en-ID"/>
           </a:p>
@@ -7708,7 +7709,7 @@
           <a:p>
             <a:fld id="{D7FB4982-EAB4-4676-95FF-C973D5C908B1}" type="datetime1">
               <a:rPr lang="en-ID" smtClean="0"/>
-              <a:t>12/11/2021</a:t>
+              <a:t>17/11/21</a:t>
             </a:fld>
             <a:endParaRPr lang="en-ID"/>
           </a:p>
@@ -7958,7 +7959,7 @@
           <a:p>
             <a:fld id="{AD5790FA-295D-421F-908F-4349C763465E}" type="datetime1">
               <a:rPr lang="en-ID" smtClean="0"/>
-              <a:t>12/11/2021</a:t>
+              <a:t>17/11/21</a:t>
             </a:fld>
             <a:endParaRPr lang="en-ID"/>
           </a:p>
@@ -8190,7 +8191,7 @@
           <a:p>
             <a:fld id="{68693B27-6C16-4F91-A55A-B7BED62815FD}" type="datetime1">
               <a:rPr lang="en-ID" smtClean="0"/>
-              <a:t>12/11/2021</a:t>
+              <a:t>17/11/21</a:t>
             </a:fld>
             <a:endParaRPr lang="en-ID"/>
           </a:p>
@@ -8571,7 +8572,7 @@
           <a:p>
             <a:fld id="{5C4E3D98-73D8-4FE2-A2F3-ECCB9286D920}" type="datetime1">
               <a:rPr lang="en-ID" smtClean="0"/>
-              <a:t>12/11/2021</a:t>
+              <a:t>17/11/21</a:t>
             </a:fld>
             <a:endParaRPr lang="en-ID"/>
           </a:p>
@@ -8689,7 +8690,7 @@
           <a:p>
             <a:fld id="{D008F1DA-1F31-4D6C-B10D-646E7465E0CD}" type="datetime1">
               <a:rPr lang="en-ID" smtClean="0"/>
-              <a:t>12/11/2021</a:t>
+              <a:t>17/11/21</a:t>
             </a:fld>
             <a:endParaRPr lang="en-ID"/>
           </a:p>
@@ -8784,7 +8785,7 @@
           <a:p>
             <a:fld id="{0C097929-29F0-4175-BF72-238D3FA51AB1}" type="datetime1">
               <a:rPr lang="en-ID" smtClean="0"/>
-              <a:t>12/11/2021</a:t>
+              <a:t>17/11/21</a:t>
             </a:fld>
             <a:endParaRPr lang="en-ID"/>
           </a:p>
@@ -9033,7 +9034,7 @@
           <a:p>
             <a:fld id="{AF6EC5CF-33BD-4DDB-B94E-5D033513C10A}" type="datetime1">
               <a:rPr lang="en-ID" smtClean="0"/>
-              <a:t>12/11/2021</a:t>
+              <a:t>17/11/21</a:t>
             </a:fld>
             <a:endParaRPr lang="en-ID"/>
           </a:p>
@@ -9313,7 +9314,7 @@
           <a:p>
             <a:fld id="{5C5C7CF2-FB0A-4890-ADEE-68618A7E01AD}" type="datetime1">
               <a:rPr lang="en-ID" smtClean="0"/>
-              <a:t>12/11/2021</a:t>
+              <a:t>17/11/21</a:t>
             </a:fld>
             <a:endParaRPr lang="en-ID"/>
           </a:p>
@@ -9436,7 +9437,7 @@
           <a:noFill/>
           <a:extLst>
             <a:ext uri="{909E8E84-426E-40dd-AFC4-6F175D3DCCD1}">
-              <a14:hiddenFill xmlns="" xmlns:a14="http://schemas.microsoft.com/office/drawing/2010/main">
+              <a14:hiddenFill xmlns:a14="http://schemas.microsoft.com/office/drawing/2010/main" xmlns="">
                 <a:solidFill>
                   <a:srgbClr val="FFFFFF"/>
                 </a:solidFill>
@@ -9510,7 +9511,7 @@
               </a:ln>
               <a:extLst>
                 <a:ext uri="{91240B29-F687-4f45-9708-019B960494DF}">
-                  <a14:hiddenLine xmlns="" xmlns:a14="http://schemas.microsoft.com/office/drawing/2010/main" w="9525">
+                  <a14:hiddenLine xmlns:a14="http://schemas.microsoft.com/office/drawing/2010/main" xmlns="" w="9525">
                     <a:solidFill>
                       <a:srgbClr val="000000"/>
                     </a:solidFill>
@@ -9600,7 +9601,7 @@
               </a:ln>
               <a:extLst>
                 <a:ext uri="{91240B29-F687-4f45-9708-019B960494DF}">
-                  <a14:hiddenLine xmlns="" xmlns:a14="http://schemas.microsoft.com/office/drawing/2010/main" w="9525">
+                  <a14:hiddenLine xmlns:a14="http://schemas.microsoft.com/office/drawing/2010/main" xmlns="" w="9525">
                     <a:solidFill>
                       <a:srgbClr val="000000"/>
                     </a:solidFill>
@@ -9690,7 +9691,7 @@
               </a:ln>
               <a:extLst>
                 <a:ext uri="{91240B29-F687-4f45-9708-019B960494DF}">
-                  <a14:hiddenLine xmlns="" xmlns:a14="http://schemas.microsoft.com/office/drawing/2010/main" w="9525">
+                  <a14:hiddenLine xmlns:a14="http://schemas.microsoft.com/office/drawing/2010/main" xmlns="" w="9525">
                     <a:solidFill>
                       <a:srgbClr val="000000"/>
                     </a:solidFill>
@@ -9752,7 +9753,7 @@
               </a:ln>
               <a:extLst>
                 <a:ext uri="{91240B29-F687-4f45-9708-019B960494DF}">
-                  <a14:hiddenLine xmlns="" xmlns:a14="http://schemas.microsoft.com/office/drawing/2010/main" w="9525">
+                  <a14:hiddenLine xmlns:a14="http://schemas.microsoft.com/office/drawing/2010/main" xmlns="" w="9525">
                     <a:solidFill>
                       <a:srgbClr val="000000"/>
                     </a:solidFill>
@@ -9842,7 +9843,7 @@
               </a:ln>
               <a:extLst>
                 <a:ext uri="{91240B29-F687-4f45-9708-019B960494DF}">
-                  <a14:hiddenLine xmlns="" xmlns:a14="http://schemas.microsoft.com/office/drawing/2010/main" w="9525">
+                  <a14:hiddenLine xmlns:a14="http://schemas.microsoft.com/office/drawing/2010/main" xmlns="" w="9525">
                     <a:solidFill>
                       <a:srgbClr val="000000"/>
                     </a:solidFill>
@@ -9904,7 +9905,7 @@
               </a:ln>
               <a:extLst>
                 <a:ext uri="{91240B29-F687-4f45-9708-019B960494DF}">
-                  <a14:hiddenLine xmlns="" xmlns:a14="http://schemas.microsoft.com/office/drawing/2010/main" w="9525">
+                  <a14:hiddenLine xmlns:a14="http://schemas.microsoft.com/office/drawing/2010/main" xmlns="" w="9525">
                     <a:solidFill>
                       <a:srgbClr val="000000"/>
                     </a:solidFill>
@@ -9966,7 +9967,7 @@
               </a:ln>
               <a:extLst>
                 <a:ext uri="{91240B29-F687-4f45-9708-019B960494DF}">
-                  <a14:hiddenLine xmlns="" xmlns:a14="http://schemas.microsoft.com/office/drawing/2010/main" w="9525">
+                  <a14:hiddenLine xmlns:a14="http://schemas.microsoft.com/office/drawing/2010/main" xmlns="" w="9525">
                     <a:solidFill>
                       <a:srgbClr val="000000"/>
                     </a:solidFill>
@@ -10056,7 +10057,7 @@
               </a:ln>
               <a:extLst>
                 <a:ext uri="{91240B29-F687-4f45-9708-019B960494DF}">
-                  <a14:hiddenLine xmlns="" xmlns:a14="http://schemas.microsoft.com/office/drawing/2010/main" w="9525">
+                  <a14:hiddenLine xmlns:a14="http://schemas.microsoft.com/office/drawing/2010/main" xmlns="" w="9525">
                     <a:solidFill>
                       <a:srgbClr val="000000"/>
                     </a:solidFill>
@@ -10146,7 +10147,7 @@
               </a:ln>
               <a:extLst>
                 <a:ext uri="{91240B29-F687-4f45-9708-019B960494DF}">
-                  <a14:hiddenLine xmlns="" xmlns:a14="http://schemas.microsoft.com/office/drawing/2010/main" w="9525">
+                  <a14:hiddenLine xmlns:a14="http://schemas.microsoft.com/office/drawing/2010/main" xmlns="" w="9525">
                     <a:solidFill>
                       <a:srgbClr val="000000"/>
                     </a:solidFill>
@@ -10208,7 +10209,7 @@
               </a:ln>
               <a:extLst>
                 <a:ext uri="{91240B29-F687-4f45-9708-019B960494DF}">
-                  <a14:hiddenLine xmlns="" xmlns:a14="http://schemas.microsoft.com/office/drawing/2010/main" w="9525">
+                  <a14:hiddenLine xmlns:a14="http://schemas.microsoft.com/office/drawing/2010/main" xmlns="" w="9525">
                     <a:solidFill>
                       <a:srgbClr val="000000"/>
                     </a:solidFill>
@@ -10318,7 +10319,7 @@
               </a:ln>
               <a:extLst>
                 <a:ext uri="{91240B29-F687-4f45-9708-019B960494DF}">
-                  <a14:hiddenLine xmlns="" xmlns:a14="http://schemas.microsoft.com/office/drawing/2010/main" w="9525">
+                  <a14:hiddenLine xmlns:a14="http://schemas.microsoft.com/office/drawing/2010/main" xmlns="" w="9525">
                     <a:solidFill>
                       <a:srgbClr val="000000"/>
                     </a:solidFill>
@@ -10402,7 +10403,7 @@
               </a:ln>
               <a:extLst>
                 <a:ext uri="{91240B29-F687-4f45-9708-019B960494DF}">
-                  <a14:hiddenLine xmlns="" xmlns:a14="http://schemas.microsoft.com/office/drawing/2010/main" w="9525">
+                  <a14:hiddenLine xmlns:a14="http://schemas.microsoft.com/office/drawing/2010/main" xmlns="" w="9525">
                     <a:solidFill>
                       <a:srgbClr val="000000"/>
                     </a:solidFill>
@@ -10464,7 +10465,7 @@
               </a:ln>
               <a:extLst>
                 <a:ext uri="{91240B29-F687-4f45-9708-019B960494DF}">
-                  <a14:hiddenLine xmlns="" xmlns:a14="http://schemas.microsoft.com/office/drawing/2010/main" w="9525">
+                  <a14:hiddenLine xmlns:a14="http://schemas.microsoft.com/office/drawing/2010/main" xmlns="" w="9525">
                     <a:solidFill>
                       <a:srgbClr val="000000"/>
                     </a:solidFill>
@@ -10526,7 +10527,7 @@
               </a:ln>
               <a:extLst>
                 <a:ext uri="{91240B29-F687-4f45-9708-019B960494DF}">
-                  <a14:hiddenLine xmlns="" xmlns:a14="http://schemas.microsoft.com/office/drawing/2010/main" w="9525">
+                  <a14:hiddenLine xmlns:a14="http://schemas.microsoft.com/office/drawing/2010/main" xmlns="" w="9525">
                     <a:solidFill>
                       <a:srgbClr val="000000"/>
                     </a:solidFill>
@@ -10616,7 +10617,7 @@
               </a:ln>
               <a:extLst>
                 <a:ext uri="{91240B29-F687-4f45-9708-019B960494DF}">
-                  <a14:hiddenLine xmlns="" xmlns:a14="http://schemas.microsoft.com/office/drawing/2010/main" w="9525">
+                  <a14:hiddenLine xmlns:a14="http://schemas.microsoft.com/office/drawing/2010/main" xmlns="" w="9525">
                     <a:solidFill>
                       <a:srgbClr val="000000"/>
                     </a:solidFill>
@@ -10650,7 +10651,7 @@
               </a:ln>
               <a:extLst>
                 <a:ext uri="{91240B29-F687-4f45-9708-019B960494DF}">
-                  <a14:hiddenLine xmlns="" xmlns:a14="http://schemas.microsoft.com/office/drawing/2010/main" w="9525">
+                  <a14:hiddenLine xmlns:a14="http://schemas.microsoft.com/office/drawing/2010/main" xmlns="" w="9525">
                     <a:solidFill>
                       <a:srgbClr val="000000"/>
                     </a:solidFill>
@@ -10715,7 +10716,7 @@
               </a:ln>
               <a:extLst>
                 <a:ext uri="{91240B29-F687-4f45-9708-019B960494DF}">
-                  <a14:hiddenLine xmlns="" xmlns:a14="http://schemas.microsoft.com/office/drawing/2010/main" w="9525">
+                  <a14:hiddenLine xmlns:a14="http://schemas.microsoft.com/office/drawing/2010/main" xmlns="" w="9525">
                     <a:solidFill>
                       <a:srgbClr val="000000"/>
                     </a:solidFill>
@@ -10805,7 +10806,7 @@
               </a:ln>
               <a:extLst>
                 <a:ext uri="{91240B29-F687-4f45-9708-019B960494DF}">
-                  <a14:hiddenLine xmlns="" xmlns:a14="http://schemas.microsoft.com/office/drawing/2010/main" w="9525">
+                  <a14:hiddenLine xmlns:a14="http://schemas.microsoft.com/office/drawing/2010/main" xmlns="" w="9525">
                     <a:solidFill>
                       <a:srgbClr val="000000"/>
                     </a:solidFill>
@@ -10867,7 +10868,7 @@
               </a:ln>
               <a:extLst>
                 <a:ext uri="{91240B29-F687-4f45-9708-019B960494DF}">
-                  <a14:hiddenLine xmlns="" xmlns:a14="http://schemas.microsoft.com/office/drawing/2010/main" w="9525">
+                  <a14:hiddenLine xmlns:a14="http://schemas.microsoft.com/office/drawing/2010/main" xmlns="" w="9525">
                     <a:solidFill>
                       <a:srgbClr val="000000"/>
                     </a:solidFill>
@@ -10957,7 +10958,7 @@
               </a:ln>
               <a:extLst>
                 <a:ext uri="{91240B29-F687-4f45-9708-019B960494DF}">
-                  <a14:hiddenLine xmlns="" xmlns:a14="http://schemas.microsoft.com/office/drawing/2010/main" w="9525">
+                  <a14:hiddenLine xmlns:a14="http://schemas.microsoft.com/office/drawing/2010/main" xmlns="" w="9525">
                     <a:solidFill>
                       <a:srgbClr val="000000"/>
                     </a:solidFill>
@@ -11022,7 +11023,7 @@
               </a:ln>
               <a:extLst>
                 <a:ext uri="{91240B29-F687-4f45-9708-019B960494DF}">
-                  <a14:hiddenLine xmlns="" xmlns:a14="http://schemas.microsoft.com/office/drawing/2010/main" w="9525">
+                  <a14:hiddenLine xmlns:a14="http://schemas.microsoft.com/office/drawing/2010/main" xmlns="" w="9525">
                     <a:solidFill>
                       <a:srgbClr val="000000"/>
                     </a:solidFill>
@@ -11084,7 +11085,7 @@
               </a:ln>
               <a:extLst>
                 <a:ext uri="{91240B29-F687-4f45-9708-019B960494DF}">
-                  <a14:hiddenLine xmlns="" xmlns:a14="http://schemas.microsoft.com/office/drawing/2010/main" w="9525">
+                  <a14:hiddenLine xmlns:a14="http://schemas.microsoft.com/office/drawing/2010/main" xmlns="" w="9525">
                     <a:solidFill>
                       <a:srgbClr val="000000"/>
                     </a:solidFill>
@@ -11174,7 +11175,7 @@
               </a:ln>
               <a:extLst>
                 <a:ext uri="{91240B29-F687-4f45-9708-019B960494DF}">
-                  <a14:hiddenLine xmlns="" xmlns:a14="http://schemas.microsoft.com/office/drawing/2010/main" w="9525">
+                  <a14:hiddenLine xmlns:a14="http://schemas.microsoft.com/office/drawing/2010/main" xmlns="" w="9525">
                     <a:solidFill>
                       <a:srgbClr val="000000"/>
                     </a:solidFill>
@@ -11264,7 +11265,7 @@
               </a:ln>
               <a:extLst>
                 <a:ext uri="{91240B29-F687-4f45-9708-019B960494DF}">
-                  <a14:hiddenLine xmlns="" xmlns:a14="http://schemas.microsoft.com/office/drawing/2010/main" w="9525">
+                  <a14:hiddenLine xmlns:a14="http://schemas.microsoft.com/office/drawing/2010/main" xmlns="" w="9525">
                     <a:solidFill>
                       <a:srgbClr val="000000"/>
                     </a:solidFill>
@@ -11329,7 +11330,7 @@
               </a:ln>
               <a:extLst>
                 <a:ext uri="{91240B29-F687-4f45-9708-019B960494DF}">
-                  <a14:hiddenLine xmlns="" xmlns:a14="http://schemas.microsoft.com/office/drawing/2010/main" w="9525">
+                  <a14:hiddenLine xmlns:a14="http://schemas.microsoft.com/office/drawing/2010/main" xmlns="" w="9525">
                     <a:solidFill>
                       <a:srgbClr val="000000"/>
                     </a:solidFill>
@@ -11449,7 +11450,7 @@
               </a:ln>
               <a:extLst>
                 <a:ext uri="{91240B29-F687-4f45-9708-019B960494DF}">
-                  <a14:hiddenLine xmlns="" xmlns:a14="http://schemas.microsoft.com/office/drawing/2010/main" w="9525">
+                  <a14:hiddenLine xmlns:a14="http://schemas.microsoft.com/office/drawing/2010/main" xmlns="" w="9525">
                     <a:solidFill>
                       <a:srgbClr val="000000"/>
                     </a:solidFill>
@@ -11530,7 +11531,7 @@
               </a:ln>
               <a:extLst>
                 <a:ext uri="{91240B29-F687-4f45-9708-019B960494DF}">
-                  <a14:hiddenLine xmlns="" xmlns:a14="http://schemas.microsoft.com/office/drawing/2010/main" w="9525">
+                  <a14:hiddenLine xmlns:a14="http://schemas.microsoft.com/office/drawing/2010/main" xmlns="" w="9525">
                     <a:solidFill>
                       <a:srgbClr val="000000"/>
                     </a:solidFill>
@@ -11645,7 +11646,7 @@
               </a:ln>
               <a:extLst>
                 <a:ext uri="{91240B29-F687-4f45-9708-019B960494DF}">
-                  <a14:hiddenLine xmlns="" xmlns:a14="http://schemas.microsoft.com/office/drawing/2010/main" w="9525">
+                  <a14:hiddenLine xmlns:a14="http://schemas.microsoft.com/office/drawing/2010/main" xmlns="" w="9525">
                     <a:solidFill>
                       <a:srgbClr val="000000"/>
                     </a:solidFill>
@@ -11735,7 +11736,7 @@
               </a:ln>
               <a:extLst>
                 <a:ext uri="{91240B29-F687-4f45-9708-019B960494DF}">
-                  <a14:hiddenLine xmlns="" xmlns:a14="http://schemas.microsoft.com/office/drawing/2010/main" w="9525">
+                  <a14:hiddenLine xmlns:a14="http://schemas.microsoft.com/office/drawing/2010/main" xmlns="" w="9525">
                     <a:solidFill>
                       <a:srgbClr val="000000"/>
                     </a:solidFill>
@@ -11800,7 +11801,7 @@
               </a:ln>
               <a:extLst>
                 <a:ext uri="{91240B29-F687-4f45-9708-019B960494DF}">
-                  <a14:hiddenLine xmlns="" xmlns:a14="http://schemas.microsoft.com/office/drawing/2010/main" w="9525">
+                  <a14:hiddenLine xmlns:a14="http://schemas.microsoft.com/office/drawing/2010/main" xmlns="" w="9525">
                     <a:solidFill>
                       <a:srgbClr val="000000"/>
                     </a:solidFill>
@@ -11890,7 +11891,7 @@
               </a:ln>
               <a:extLst>
                 <a:ext uri="{91240B29-F687-4f45-9708-019B960494DF}">
-                  <a14:hiddenLine xmlns="" xmlns:a14="http://schemas.microsoft.com/office/drawing/2010/main" w="9525">
+                  <a14:hiddenLine xmlns:a14="http://schemas.microsoft.com/office/drawing/2010/main" xmlns="" w="9525">
                     <a:solidFill>
                       <a:srgbClr val="000000"/>
                     </a:solidFill>
@@ -11958,7 +11959,7 @@
               </a:ln>
               <a:extLst>
                 <a:ext uri="{91240B29-F687-4f45-9708-019B960494DF}">
-                  <a14:hiddenLine xmlns="" xmlns:a14="http://schemas.microsoft.com/office/drawing/2010/main" w="9525">
+                  <a14:hiddenLine xmlns:a14="http://schemas.microsoft.com/office/drawing/2010/main" xmlns="" w="9525">
                     <a:solidFill>
                       <a:srgbClr val="000000"/>
                     </a:solidFill>
@@ -12048,7 +12049,7 @@
               </a:ln>
               <a:extLst>
                 <a:ext uri="{91240B29-F687-4f45-9708-019B960494DF}">
-                  <a14:hiddenLine xmlns="" xmlns:a14="http://schemas.microsoft.com/office/drawing/2010/main" w="9525">
+                  <a14:hiddenLine xmlns:a14="http://schemas.microsoft.com/office/drawing/2010/main" xmlns="" w="9525">
                     <a:solidFill>
                       <a:srgbClr val="000000"/>
                     </a:solidFill>
@@ -12116,7 +12117,7 @@
               </a:ln>
               <a:extLst>
                 <a:ext uri="{91240B29-F687-4f45-9708-019B960494DF}">
-                  <a14:hiddenLine xmlns="" xmlns:a14="http://schemas.microsoft.com/office/drawing/2010/main" w="9525">
+                  <a14:hiddenLine xmlns:a14="http://schemas.microsoft.com/office/drawing/2010/main" xmlns="" w="9525">
                     <a:solidFill>
                       <a:srgbClr val="000000"/>
                     </a:solidFill>
@@ -12206,7 +12207,7 @@
               </a:ln>
               <a:extLst>
                 <a:ext uri="{91240B29-F687-4f45-9708-019B960494DF}">
-                  <a14:hiddenLine xmlns="" xmlns:a14="http://schemas.microsoft.com/office/drawing/2010/main" w="9525">
+                  <a14:hiddenLine xmlns:a14="http://schemas.microsoft.com/office/drawing/2010/main" xmlns="" w="9525">
                     <a:solidFill>
                       <a:srgbClr val="000000"/>
                     </a:solidFill>
@@ -12240,7 +12241,7 @@
               </a:ln>
               <a:extLst>
                 <a:ext uri="{91240B29-F687-4f45-9708-019B960494DF}">
-                  <a14:hiddenLine xmlns="" xmlns:a14="http://schemas.microsoft.com/office/drawing/2010/main" w="9525">
+                  <a14:hiddenLine xmlns:a14="http://schemas.microsoft.com/office/drawing/2010/main" xmlns="" w="9525">
                     <a:solidFill>
                       <a:srgbClr val="000000"/>
                     </a:solidFill>
@@ -12380,7 +12381,7 @@
           <a:p>
             <a:fld id="{1C022B27-C18D-45EA-8503-D3BC5EEC6A61}" type="datetime1">
               <a:rPr lang="en-ID" smtClean="0"/>
-              <a:t>12/11/2021</a:t>
+              <a:t>17/11/21</a:t>
             </a:fld>
             <a:endParaRPr lang="en-ID"/>
           </a:p>
@@ -14580,21 +14581,16 @@
           <a:bodyPr/>
           <a:lstStyle/>
           <a:p>
-            <a:pPr algn="ctr"/>
+            <a:pPr marL="0" indent="0" algn="ctr">
+              <a:buNone/>
+            </a:pPr>
             <a:r>
               <a:rPr lang="en-US" dirty="0" err="1"/>
               <a:t>Akurasi</a:t>
             </a:r>
             <a:r>
               <a:rPr lang="en-US" dirty="0"/>
-              <a:t> Model :</a:t>
-            </a:r>
-          </a:p>
-          <a:p>
-            <a:pPr algn="ctr"/>
-            <a:r>
-              <a:rPr lang="en-US" dirty="0"/>
-              <a:t>(TP+TN)/(TP+FP+FN+TN)</a:t>
+              <a:t> = (TP+TN)/(TP+FP+FN+TN)</a:t>
             </a:r>
             <a:endParaRPr lang="en-ID" dirty="0"/>
           </a:p>
@@ -14760,6 +14756,349 @@
           <p:cNvPr id="2" name="Title 1">
             <a:extLst>
               <a:ext uri="{FF2B5EF4-FFF2-40B4-BE49-F238E27FC236}">
+                <a16:creationId xmlns:a16="http://schemas.microsoft.com/office/drawing/2014/main" id="{08999506-EE16-4C44-A686-6FA996C44A23}"/>
+              </a:ext>
+            </a:extLst>
+          </p:cNvPr>
+          <p:cNvSpPr>
+            <a:spLocks noGrp="1"/>
+          </p:cNvSpPr>
+          <p:nvPr>
+            <p:ph type="title"/>
+          </p:nvPr>
+        </p:nvSpPr>
+        <p:spPr/>
+        <p:txBody>
+          <a:bodyPr/>
+          <a:lstStyle/>
+          <a:p>
+            <a:r>
+              <a:rPr lang="en-US" dirty="0" err="1"/>
+              <a:t>Pengertian</a:t>
+            </a:r>
+            <a:endParaRPr lang="en-US" dirty="0"/>
+          </a:p>
+        </p:txBody>
+      </p:sp>
+      <p:sp>
+        <p:nvSpPr>
+          <p:cNvPr id="3" name="Content Placeholder 2">
+            <a:extLst>
+              <a:ext uri="{FF2B5EF4-FFF2-40B4-BE49-F238E27FC236}">
+                <a16:creationId xmlns:a16="http://schemas.microsoft.com/office/drawing/2014/main" id="{43872C62-AA37-6F45-9302-C8350415862F}"/>
+              </a:ext>
+            </a:extLst>
+          </p:cNvPr>
+          <p:cNvSpPr>
+            <a:spLocks noGrp="1"/>
+          </p:cNvSpPr>
+          <p:nvPr>
+            <p:ph idx="1"/>
+          </p:nvPr>
+        </p:nvSpPr>
+        <p:spPr/>
+        <p:txBody>
+          <a:bodyPr/>
+          <a:lstStyle/>
+          <a:p>
+            <a:pPr marL="0" indent="0">
+              <a:buNone/>
+            </a:pPr>
+            <a:r>
+              <a:rPr lang="en-US" dirty="0" err="1"/>
+              <a:t>Akurasi</a:t>
+            </a:r>
+            <a:r>
+              <a:rPr lang="en-US" dirty="0"/>
+              <a:t> : </a:t>
+            </a:r>
+            <a:r>
+              <a:rPr lang="en-US" dirty="0" err="1"/>
+              <a:t>seberapa</a:t>
+            </a:r>
+            <a:r>
+              <a:rPr lang="en-US" dirty="0"/>
+              <a:t> </a:t>
+            </a:r>
+            <a:r>
+              <a:rPr lang="en-US" dirty="0" err="1"/>
+              <a:t>akurat</a:t>
+            </a:r>
+            <a:r>
+              <a:rPr lang="en-US" dirty="0"/>
+              <a:t> model </a:t>
+            </a:r>
+            <a:r>
+              <a:rPr lang="en-US" dirty="0" err="1"/>
+              <a:t>dapat</a:t>
+            </a:r>
+            <a:r>
+              <a:rPr lang="en-US" dirty="0"/>
+              <a:t> </a:t>
+            </a:r>
+            <a:r>
+              <a:rPr lang="en-US" dirty="0" err="1"/>
+              <a:t>mengklasifikasikan</a:t>
+            </a:r>
+            <a:r>
+              <a:rPr lang="en-US" dirty="0"/>
+              <a:t> </a:t>
+            </a:r>
+            <a:r>
+              <a:rPr lang="en-US" dirty="0" err="1"/>
+              <a:t>dengan</a:t>
+            </a:r>
+            <a:r>
+              <a:rPr lang="en-US" dirty="0"/>
+              <a:t> </a:t>
+            </a:r>
+            <a:r>
+              <a:rPr lang="en-US" dirty="0" err="1"/>
+              <a:t>benar</a:t>
+            </a:r>
+            <a:endParaRPr lang="en-US" dirty="0"/>
+          </a:p>
+          <a:p>
+            <a:pPr marL="0" indent="0">
+              <a:buNone/>
+            </a:pPr>
+            <a:r>
+              <a:rPr lang="en-US" dirty="0"/>
+              <a:t>Precision : </a:t>
+            </a:r>
+            <a:r>
+              <a:rPr lang="en-US" dirty="0" err="1"/>
+              <a:t>seberapa</a:t>
+            </a:r>
+            <a:r>
+              <a:rPr lang="en-US" dirty="0"/>
+              <a:t> </a:t>
+            </a:r>
+            <a:r>
+              <a:rPr lang="en-US" dirty="0" err="1"/>
+              <a:t>akurat</a:t>
+            </a:r>
+            <a:r>
+              <a:rPr lang="en-US" dirty="0"/>
+              <a:t> </a:t>
+            </a:r>
+            <a:r>
+              <a:rPr lang="en-US" dirty="0" err="1"/>
+              <a:t>antara</a:t>
+            </a:r>
+            <a:r>
+              <a:rPr lang="en-US" dirty="0"/>
+              <a:t> data yang </a:t>
+            </a:r>
+            <a:r>
+              <a:rPr lang="en-US" dirty="0" err="1"/>
+              <a:t>diminta</a:t>
+            </a:r>
+            <a:r>
+              <a:rPr lang="en-US" dirty="0"/>
+              <a:t> </a:t>
+            </a:r>
+            <a:r>
+              <a:rPr lang="en-US" dirty="0" err="1"/>
+              <a:t>dengan</a:t>
+            </a:r>
+            <a:r>
+              <a:rPr lang="en-US" dirty="0"/>
+              <a:t> </a:t>
+            </a:r>
+            <a:r>
+              <a:rPr lang="en-US" dirty="0" err="1"/>
+              <a:t>hasil</a:t>
+            </a:r>
+            <a:r>
+              <a:rPr lang="en-US" dirty="0"/>
+              <a:t> </a:t>
+            </a:r>
+            <a:r>
+              <a:rPr lang="en-US" dirty="0" err="1"/>
+              <a:t>prediksi</a:t>
+            </a:r>
+            <a:r>
+              <a:rPr lang="en-US" dirty="0"/>
+              <a:t> </a:t>
+            </a:r>
+            <a:r>
+              <a:rPr lang="en-US" dirty="0" err="1"/>
+              <a:t>dengan</a:t>
+            </a:r>
+            <a:r>
+              <a:rPr lang="en-US" dirty="0"/>
+              <a:t> </a:t>
+            </a:r>
+            <a:r>
+              <a:rPr lang="en-US" dirty="0" err="1"/>
+              <a:t>hasil</a:t>
+            </a:r>
+            <a:r>
+              <a:rPr lang="en-US" dirty="0"/>
+              <a:t> </a:t>
+            </a:r>
+            <a:r>
+              <a:rPr lang="en-US" dirty="0" err="1"/>
+              <a:t>prediksi</a:t>
+            </a:r>
+            <a:r>
+              <a:rPr lang="en-US" dirty="0"/>
+              <a:t> (</a:t>
+            </a:r>
+            <a:r>
+              <a:rPr lang="en-US" dirty="0" err="1"/>
+              <a:t>positif</a:t>
+            </a:r>
+            <a:r>
+              <a:rPr lang="en-US" dirty="0"/>
+              <a:t>)</a:t>
+            </a:r>
+          </a:p>
+          <a:p>
+            <a:pPr marL="0" indent="0">
+              <a:buNone/>
+            </a:pPr>
+            <a:r>
+              <a:rPr lang="en-US" dirty="0"/>
+              <a:t>Recall : </a:t>
+            </a:r>
+            <a:r>
+              <a:rPr lang="en-US" dirty="0" err="1"/>
+              <a:t>rasio</a:t>
+            </a:r>
+            <a:r>
+              <a:rPr lang="en-US" dirty="0"/>
+              <a:t> </a:t>
+            </a:r>
+            <a:r>
+              <a:rPr lang="en-US" dirty="0" err="1"/>
+              <a:t>prediksi</a:t>
+            </a:r>
+            <a:r>
+              <a:rPr lang="en-US" dirty="0"/>
+              <a:t> </a:t>
+            </a:r>
+            <a:r>
+              <a:rPr lang="en-US" dirty="0" err="1"/>
+              <a:t>benar</a:t>
+            </a:r>
+            <a:r>
+              <a:rPr lang="en-US" dirty="0"/>
+              <a:t> </a:t>
+            </a:r>
+            <a:r>
+              <a:rPr lang="en-US" dirty="0" err="1"/>
+              <a:t>positif</a:t>
+            </a:r>
+            <a:r>
+              <a:rPr lang="en-US" dirty="0"/>
+              <a:t> </a:t>
+            </a:r>
+            <a:r>
+              <a:rPr lang="en-US" dirty="0" err="1"/>
+              <a:t>dibandingkan</a:t>
+            </a:r>
+            <a:r>
+              <a:rPr lang="en-US" dirty="0"/>
+              <a:t> </a:t>
+            </a:r>
+            <a:r>
+              <a:rPr lang="en-US" dirty="0" err="1"/>
+              <a:t>dengan</a:t>
+            </a:r>
+            <a:r>
+              <a:rPr lang="en-US" dirty="0"/>
+              <a:t> </a:t>
+            </a:r>
+            <a:r>
+              <a:rPr lang="en-US" dirty="0" err="1"/>
+              <a:t>keseluruhan</a:t>
+            </a:r>
+            <a:r>
+              <a:rPr lang="en-US" dirty="0"/>
+              <a:t> data yang </a:t>
+            </a:r>
+            <a:r>
+              <a:rPr lang="en-US" dirty="0" err="1"/>
+              <a:t>benar</a:t>
+            </a:r>
+            <a:r>
+              <a:rPr lang="en-US" dirty="0"/>
+              <a:t> </a:t>
+            </a:r>
+            <a:r>
+              <a:rPr lang="en-US" dirty="0" err="1"/>
+              <a:t>positif</a:t>
+            </a:r>
+            <a:endParaRPr lang="en-US" dirty="0"/>
+          </a:p>
+        </p:txBody>
+      </p:sp>
+      <p:sp>
+        <p:nvSpPr>
+          <p:cNvPr id="4" name="Slide Number Placeholder 3">
+            <a:extLst>
+              <a:ext uri="{FF2B5EF4-FFF2-40B4-BE49-F238E27FC236}">
+                <a16:creationId xmlns:a16="http://schemas.microsoft.com/office/drawing/2014/main" id="{2C69A485-8410-D940-8DA9-09EBE441B8C1}"/>
+              </a:ext>
+            </a:extLst>
+          </p:cNvPr>
+          <p:cNvSpPr>
+            <a:spLocks noGrp="1"/>
+          </p:cNvSpPr>
+          <p:nvPr>
+            <p:ph type="sldNum" sz="quarter" idx="12"/>
+          </p:nvPr>
+        </p:nvSpPr>
+        <p:spPr/>
+        <p:txBody>
+          <a:bodyPr/>
+          <a:lstStyle/>
+          <a:p>
+            <a:fld id="{44B3FA5A-9111-41A9-84B4-174D3E6F886D}" type="slidenum">
+              <a:rPr lang="en-ID" smtClean="0"/>
+              <a:t>16</a:t>
+            </a:fld>
+            <a:endParaRPr lang="en-ID"/>
+          </a:p>
+        </p:txBody>
+      </p:sp>
+    </p:spTree>
+    <p:extLst>
+      <p:ext uri="{BB962C8B-B14F-4D97-AF65-F5344CB8AC3E}">
+        <p14:creationId xmlns:p14="http://schemas.microsoft.com/office/powerpoint/2010/main" val="656344572"/>
+      </p:ext>
+    </p:extLst>
+  </p:cSld>
+  <p:clrMapOvr>
+    <a:masterClrMapping/>
+  </p:clrMapOvr>
+</p:sld>
+</file>
+
+<file path=ppt/slides/slide17.xml><?xml version="1.0" encoding="utf-8"?>
+<p:sld xmlns:a="http://schemas.openxmlformats.org/drawingml/2006/main" xmlns:r="http://schemas.openxmlformats.org/officeDocument/2006/relationships" xmlns:p="http://schemas.openxmlformats.org/presentationml/2006/main">
+  <p:cSld>
+    <p:spTree>
+      <p:nvGrpSpPr>
+        <p:cNvPr id="1" name=""/>
+        <p:cNvGrpSpPr/>
+        <p:nvPr/>
+      </p:nvGrpSpPr>
+      <p:grpSpPr>
+        <a:xfrm>
+          <a:off x="0" y="0"/>
+          <a:ext cx="0" cy="0"/>
+          <a:chOff x="0" y="0"/>
+          <a:chExt cx="0" cy="0"/>
+        </a:xfrm>
+      </p:grpSpPr>
+      <p:sp>
+        <p:nvSpPr>
+          <p:cNvPr id="2" name="Title 1">
+            <a:extLst>
+              <a:ext uri="{FF2B5EF4-FFF2-40B4-BE49-F238E27FC236}">
                 <a16:creationId xmlns:a16="http://schemas.microsoft.com/office/drawing/2014/main" id="{46341850-72EE-4385-A4A7-1DB57E08B479}"/>
               </a:ext>
             </a:extLst>
@@ -14812,7 +15151,7 @@
           <a:p>
             <a:fld id="{44B3FA5A-9111-41A9-84B4-174D3E6F886D}" type="slidenum">
               <a:rPr lang="en-ID" smtClean="0"/>
-              <a:t>16</a:t>
+              <a:t>17</a:t>
             </a:fld>
             <a:endParaRPr lang="en-ID"/>
           </a:p>
@@ -14929,14 +15268,14 @@
           <p:nvPr>
             <p:extLst>
               <p:ext uri="{D42A27DB-BD31-4B8C-83A1-F6EECF244321}">
-                <p14:modId xmlns:p14="http://schemas.microsoft.com/office/powerpoint/2010/main" val="1642312460"/>
+                <p14:modId xmlns:p14="http://schemas.microsoft.com/office/powerpoint/2010/main" val="4196734205"/>
               </p:ext>
             </p:extLst>
           </p:nvPr>
         </p:nvGraphicFramePr>
         <p:xfrm>
           <a:off x="5977835" y="3429000"/>
-          <a:ext cx="5423457" cy="2281950"/>
+          <a:ext cx="5423456" cy="3042600"/>
         </p:xfrm>
         <a:graphic>
           <a:graphicData uri="http://schemas.openxmlformats.org/drawingml/2006/table">
@@ -14945,21 +15284,28 @@
                 <a:tableStyleId>{5C22544A-7EE6-4342-B048-85BDC9FD1C3A}</a:tableStyleId>
               </a:tblPr>
               <a:tblGrid>
-                <a:gridCol w="1807819">
+                <a:gridCol w="1355864">
+                  <a:extLst>
+                    <a:ext uri="{9D8B030D-6E8A-4147-A177-3AD203B41FA5}">
+                      <a16:colId xmlns:a16="http://schemas.microsoft.com/office/drawing/2014/main" val="2073194301"/>
+                    </a:ext>
+                  </a:extLst>
+                </a:gridCol>
+                <a:gridCol w="1355864">
                   <a:extLst>
                     <a:ext uri="{9D8B030D-6E8A-4147-A177-3AD203B41FA5}">
                       <a16:colId xmlns:a16="http://schemas.microsoft.com/office/drawing/2014/main" val="4156030093"/>
                     </a:ext>
                   </a:extLst>
                 </a:gridCol>
-                <a:gridCol w="1807819">
+                <a:gridCol w="1355864">
                   <a:extLst>
                     <a:ext uri="{9D8B030D-6E8A-4147-A177-3AD203B41FA5}">
                       <a16:colId xmlns:a16="http://schemas.microsoft.com/office/drawing/2014/main" val="2419580409"/>
                     </a:ext>
                   </a:extLst>
                 </a:gridCol>
-                <a:gridCol w="1807819">
+                <a:gridCol w="1355864">
                   <a:extLst>
                     <a:ext uri="{9D8B030D-6E8A-4147-A177-3AD203B41FA5}">
                       <a16:colId xmlns:a16="http://schemas.microsoft.com/office/drawing/2014/main" val="3287302607"/>
@@ -14973,6 +15319,86 @@
                     <a:bodyPr/>
                     <a:lstStyle/>
                     <a:p>
+                      <a:endParaRPr lang="en-ID" dirty="0"/>
+                    </a:p>
+                  </a:txBody>
+                  <a:tcPr/>
+                </a:tc>
+                <a:tc gridSpan="3">
+                  <a:txBody>
+                    <a:bodyPr/>
+                    <a:lstStyle/>
+                    <a:p>
+                      <a:pPr algn="ctr"/>
+                      <a:r>
+                        <a:rPr lang="en-ID" b="1" dirty="0" err="1"/>
+                        <a:t>Aktual</a:t>
+                      </a:r>
+                      <a:endParaRPr lang="en-ID" b="1" dirty="0"/>
+                    </a:p>
+                  </a:txBody>
+                  <a:tcPr/>
+                </a:tc>
+                <a:tc hMerge="1">
+                  <a:txBody>
+                    <a:bodyPr/>
+                    <a:lstStyle/>
+                    <a:p>
+                      <a:endParaRPr lang="en-ID" dirty="0"/>
+                    </a:p>
+                  </a:txBody>
+                  <a:tcPr/>
+                </a:tc>
+                <a:tc hMerge="1">
+                  <a:txBody>
+                    <a:bodyPr/>
+                    <a:lstStyle/>
+                    <a:p>
+                      <a:endParaRPr lang="en-ID" dirty="0"/>
+                    </a:p>
+                  </a:txBody>
+                  <a:tcPr/>
+                </a:tc>
+                <a:extLst>
+                  <a:ext uri="{0D108BD9-81ED-4DB2-BD59-A6C34878D82A}">
+                    <a16:rowId xmlns:a16="http://schemas.microsoft.com/office/drawing/2014/main" val="1946291939"/>
+                  </a:ext>
+                </a:extLst>
+              </a:tr>
+              <a:tr h="760650">
+                <a:tc rowSpan="3">
+                  <a:txBody>
+                    <a:bodyPr/>
+                    <a:lstStyle/>
+                    <a:p>
+                      <a:r>
+                        <a:rPr lang="en-ID" b="1" dirty="0" err="1"/>
+                        <a:t>Prediksi</a:t>
+                      </a:r>
+                      <a:endParaRPr lang="en-ID" b="1" dirty="0"/>
+                    </a:p>
+                  </a:txBody>
+                  <a:tcPr/>
+                </a:tc>
+                <a:tc>
+                  <a:txBody>
+                    <a:bodyPr/>
+                    <a:lstStyle/>
+                    <a:p>
+                      <a:endParaRPr lang="en-ID" dirty="0"/>
+                    </a:p>
+                  </a:txBody>
+                  <a:tcPr/>
+                </a:tc>
+                <a:tc>
+                  <a:txBody>
+                    <a:bodyPr/>
+                    <a:lstStyle/>
+                    <a:p>
+                      <a:r>
+                        <a:rPr lang="en-US" dirty="0"/>
+                        <a:t>DO</a:t>
+                      </a:r>
                       <a:endParaRPr lang="en-ID" dirty="0"/>
                     </a:p>
                   </a:txBody>
@@ -14996,6 +15422,23 @@
                   </a:txBody>
                   <a:tcPr/>
                 </a:tc>
+                <a:extLst>
+                  <a:ext uri="{0D108BD9-81ED-4DB2-BD59-A6C34878D82A}">
+                    <a16:rowId xmlns:a16="http://schemas.microsoft.com/office/drawing/2014/main" val="4240689856"/>
+                  </a:ext>
+                </a:extLst>
+              </a:tr>
+              <a:tr h="760650">
+                <a:tc vMerge="1">
+                  <a:txBody>
+                    <a:bodyPr/>
+                    <a:lstStyle/>
+                    <a:p>
+                      <a:endParaRPr lang="en-ID" dirty="0"/>
+                    </a:p>
+                  </a:txBody>
+                  <a:tcPr/>
+                </a:tc>
                 <a:tc>
                   <a:txBody>
                     <a:bodyPr/>
@@ -15010,13 +15453,57 @@
                   </a:txBody>
                   <a:tcPr/>
                 </a:tc>
+                <a:tc>
+                  <a:txBody>
+                    <a:bodyPr/>
+                    <a:lstStyle/>
+                    <a:p>
+                      <a:r>
+                        <a:rPr lang="en-ID" dirty="0">
+                          <a:solidFill>
+                            <a:schemeClr val="bg1"/>
+                          </a:solidFill>
+                        </a:rPr>
+                        <a:t>4</a:t>
+                      </a:r>
+                    </a:p>
+                  </a:txBody>
+                  <a:tcPr/>
+                </a:tc>
+                <a:tc>
+                  <a:txBody>
+                    <a:bodyPr/>
+                    <a:lstStyle/>
+                    <a:p>
+                      <a:r>
+                        <a:rPr lang="en-ID" dirty="0">
+                          <a:solidFill>
+                            <a:schemeClr val="bg1"/>
+                          </a:solidFill>
+                        </a:rPr>
+                        <a:t>2</a:t>
+                      </a:r>
+                    </a:p>
+                  </a:txBody>
+                  <a:tcPr/>
+                </a:tc>
                 <a:extLst>
                   <a:ext uri="{0D108BD9-81ED-4DB2-BD59-A6C34878D82A}">
-                    <a16:rowId xmlns:a16="http://schemas.microsoft.com/office/drawing/2014/main" val="4240689856"/>
+                    <a16:rowId xmlns:a16="http://schemas.microsoft.com/office/drawing/2014/main" val="1293816574"/>
                   </a:ext>
                 </a:extLst>
               </a:tr>
               <a:tr h="760650">
+                <a:tc vMerge="1">
+                  <a:txBody>
+                    <a:bodyPr/>
+                    <a:lstStyle/>
+                    <a:p>
+                      <a:endParaRPr lang="en-ID" dirty="0"/>
+                    </a:p>
+                  </a:txBody>
+                  <a:tcPr/>
+                </a:tc>
                 <a:tc>
                   <a:txBody>
                     <a:bodyPr/>
@@ -15028,7 +15515,7 @@
                       </a:r>
                       <a:r>
                         <a:rPr lang="en-US" dirty="0"/>
-                        <a:t> DO</a:t>
+                        <a:t> Do</a:t>
                       </a:r>
                       <a:endParaRPr lang="en-ID" dirty="0"/>
                     </a:p>
@@ -15041,18 +15528,13 @@
                     <a:lstStyle/>
                     <a:p>
                       <a:r>
-                        <a:rPr lang="en-US" dirty="0">
+                        <a:rPr lang="en-ID" dirty="0">
                           <a:solidFill>
                             <a:schemeClr val="bg1"/>
                           </a:solidFill>
                         </a:rPr>
-                        <a:t>3</a:t>
+                        <a:t>1</a:t>
                       </a:r>
-                      <a:endParaRPr lang="en-ID" dirty="0">
-                        <a:solidFill>
-                          <a:schemeClr val="bg1"/>
-                        </a:solidFill>
-                      </a:endParaRPr>
                     </a:p>
                   </a:txBody>
                   <a:tcPr/>
@@ -15063,83 +15545,13 @@
                     <a:lstStyle/>
                     <a:p>
                       <a:r>
-                        <a:rPr lang="en-US" dirty="0">
+                        <a:rPr lang="en-ID" dirty="0">
                           <a:solidFill>
                             <a:schemeClr val="bg1"/>
                           </a:solidFill>
                         </a:rPr>
-                        <a:t>1</a:t>
+                        <a:t>3</a:t>
                       </a:r>
-                      <a:endParaRPr lang="en-ID" dirty="0">
-                        <a:solidFill>
-                          <a:schemeClr val="bg1"/>
-                        </a:solidFill>
-                      </a:endParaRPr>
-                    </a:p>
-                  </a:txBody>
-                  <a:tcPr/>
-                </a:tc>
-                <a:extLst>
-                  <a:ext uri="{0D108BD9-81ED-4DB2-BD59-A6C34878D82A}">
-                    <a16:rowId xmlns:a16="http://schemas.microsoft.com/office/drawing/2014/main" val="1293816574"/>
-                  </a:ext>
-                </a:extLst>
-              </a:tr>
-              <a:tr h="760650">
-                <a:tc>
-                  <a:txBody>
-                    <a:bodyPr/>
-                    <a:lstStyle/>
-                    <a:p>
-                      <a:r>
-                        <a:rPr lang="en-US" dirty="0"/>
-                        <a:t>Do</a:t>
-                      </a:r>
-                      <a:endParaRPr lang="en-ID" dirty="0"/>
-                    </a:p>
-                  </a:txBody>
-                  <a:tcPr/>
-                </a:tc>
-                <a:tc>
-                  <a:txBody>
-                    <a:bodyPr/>
-                    <a:lstStyle/>
-                    <a:p>
-                      <a:r>
-                        <a:rPr lang="en-US" dirty="0">
-                          <a:solidFill>
-                            <a:schemeClr val="bg1"/>
-                          </a:solidFill>
-                        </a:rPr>
-                        <a:t>2</a:t>
-                      </a:r>
-                      <a:endParaRPr lang="en-ID" dirty="0">
-                        <a:solidFill>
-                          <a:schemeClr val="bg1"/>
-                        </a:solidFill>
-                      </a:endParaRPr>
-                    </a:p>
-                  </a:txBody>
-                  <a:tcPr/>
-                </a:tc>
-                <a:tc>
-                  <a:txBody>
-                    <a:bodyPr/>
-                    <a:lstStyle/>
-                    <a:p>
-                      <a:r>
-                        <a:rPr lang="en-US" dirty="0">
-                          <a:solidFill>
-                            <a:schemeClr val="bg1"/>
-                          </a:solidFill>
-                        </a:rPr>
-                        <a:t>4</a:t>
-                      </a:r>
-                      <a:endParaRPr lang="en-ID" dirty="0">
-                        <a:solidFill>
-                          <a:schemeClr val="bg1"/>
-                        </a:solidFill>
-                      </a:endParaRPr>
                     </a:p>
                   </a:txBody>
                   <a:tcPr/>
